--- a/PPT/基础5-尝试1-非PBR渲染(简单版).pptx
+++ b/PPT/基础5-尝试1-非PBR渲染(简单版).pptx
@@ -209,7 +209,7 @@
           <a:p>
             <a:fld id="{72E6008C-4151-4E2F-A670-5A980EE0D191}" type="datetimeFigureOut">
               <a:rPr lang="zh-CN" altLang="en-US" smtClean="0"/>
-              <a:t>2023/2/6</a:t>
+              <a:t>2023/2/19</a:t>
             </a:fld>
             <a:endParaRPr lang="zh-CN" altLang="en-US"/>
           </a:p>
@@ -773,7 +773,7 @@
           <a:p>
             <a:fld id="{D2B4B1F1-4DA7-425D-9E74-9CCF332327A2}" type="datetimeFigureOut">
               <a:rPr lang="zh-CN" altLang="en-US" smtClean="0"/>
-              <a:t>2023/2/6</a:t>
+              <a:t>2023/2/19</a:t>
             </a:fld>
             <a:endParaRPr lang="zh-CN" altLang="en-US"/>
           </a:p>
@@ -941,7 +941,7 @@
           <a:p>
             <a:fld id="{D2B4B1F1-4DA7-425D-9E74-9CCF332327A2}" type="datetimeFigureOut">
               <a:rPr lang="zh-CN" altLang="en-US" smtClean="0"/>
-              <a:t>2023/2/6</a:t>
+              <a:t>2023/2/19</a:t>
             </a:fld>
             <a:endParaRPr lang="zh-CN" altLang="en-US"/>
           </a:p>
@@ -1119,7 +1119,7 @@
           <a:p>
             <a:fld id="{D2B4B1F1-4DA7-425D-9E74-9CCF332327A2}" type="datetimeFigureOut">
               <a:rPr lang="zh-CN" altLang="en-US" smtClean="0"/>
-              <a:t>2023/2/6</a:t>
+              <a:t>2023/2/19</a:t>
             </a:fld>
             <a:endParaRPr lang="zh-CN" altLang="en-US"/>
           </a:p>
@@ -1317,7 +1317,7 @@
           <a:p>
             <a:fld id="{D2B4B1F1-4DA7-425D-9E74-9CCF332327A2}" type="datetimeFigureOut">
               <a:rPr lang="zh-CN" altLang="en-US" smtClean="0"/>
-              <a:t>2023/2/6</a:t>
+              <a:t>2023/2/19</a:t>
             </a:fld>
             <a:endParaRPr lang="zh-CN" altLang="en-US"/>
           </a:p>
@@ -1562,7 +1562,7 @@
           <a:p>
             <a:fld id="{D2B4B1F1-4DA7-425D-9E74-9CCF332327A2}" type="datetimeFigureOut">
               <a:rPr lang="zh-CN" altLang="en-US" smtClean="0"/>
-              <a:t>2023/2/6</a:t>
+              <a:t>2023/2/19</a:t>
             </a:fld>
             <a:endParaRPr lang="zh-CN" altLang="en-US"/>
           </a:p>
@@ -1791,7 +1791,7 @@
           <a:p>
             <a:fld id="{D2B4B1F1-4DA7-425D-9E74-9CCF332327A2}" type="datetimeFigureOut">
               <a:rPr lang="zh-CN" altLang="en-US" smtClean="0"/>
-              <a:t>2023/2/6</a:t>
+              <a:t>2023/2/19</a:t>
             </a:fld>
             <a:endParaRPr lang="zh-CN" altLang="en-US"/>
           </a:p>
@@ -2155,7 +2155,7 @@
           <a:p>
             <a:fld id="{D2B4B1F1-4DA7-425D-9E74-9CCF332327A2}" type="datetimeFigureOut">
               <a:rPr lang="zh-CN" altLang="en-US" smtClean="0"/>
-              <a:t>2023/2/6</a:t>
+              <a:t>2023/2/19</a:t>
             </a:fld>
             <a:endParaRPr lang="zh-CN" altLang="en-US"/>
           </a:p>
@@ -2272,7 +2272,7 @@
           <a:p>
             <a:fld id="{D2B4B1F1-4DA7-425D-9E74-9CCF332327A2}" type="datetimeFigureOut">
               <a:rPr lang="zh-CN" altLang="en-US" smtClean="0"/>
-              <a:t>2023/2/6</a:t>
+              <a:t>2023/2/19</a:t>
             </a:fld>
             <a:endParaRPr lang="zh-CN" altLang="en-US"/>
           </a:p>
@@ -2367,7 +2367,7 @@
           <a:p>
             <a:fld id="{D2B4B1F1-4DA7-425D-9E74-9CCF332327A2}" type="datetimeFigureOut">
               <a:rPr lang="zh-CN" altLang="en-US" smtClean="0"/>
-              <a:t>2023/2/6</a:t>
+              <a:t>2023/2/19</a:t>
             </a:fld>
             <a:endParaRPr lang="zh-CN" altLang="en-US"/>
           </a:p>
@@ -2642,7 +2642,7 @@
           <a:p>
             <a:fld id="{D2B4B1F1-4DA7-425D-9E74-9CCF332327A2}" type="datetimeFigureOut">
               <a:rPr lang="zh-CN" altLang="en-US" smtClean="0"/>
-              <a:t>2023/2/6</a:t>
+              <a:t>2023/2/19</a:t>
             </a:fld>
             <a:endParaRPr lang="zh-CN" altLang="en-US"/>
           </a:p>
@@ -2894,7 +2894,7 @@
           <a:p>
             <a:fld id="{D2B4B1F1-4DA7-425D-9E74-9CCF332327A2}" type="datetimeFigureOut">
               <a:rPr lang="zh-CN" altLang="en-US" smtClean="0"/>
-              <a:t>2023/2/6</a:t>
+              <a:t>2023/2/19</a:t>
             </a:fld>
             <a:endParaRPr lang="zh-CN" altLang="en-US"/>
           </a:p>
@@ -3105,7 +3105,7 @@
           <a:p>
             <a:fld id="{D2B4B1F1-4DA7-425D-9E74-9CCF332327A2}" type="datetimeFigureOut">
               <a:rPr lang="zh-CN" altLang="en-US" smtClean="0"/>
-              <a:t>2023/2/6</a:t>
+              <a:t>2023/2/19</a:t>
             </a:fld>
             <a:endParaRPr lang="zh-CN" altLang="en-US"/>
           </a:p>
@@ -10444,149 +10444,6 @@
               </a:rPr>
               <a:t>遇到的问题</a:t>
             </a:r>
-          </a:p>
-        </p:txBody>
-      </p:sp>
-      <p:sp>
-        <p:nvSpPr>
-          <p:cNvPr id="15" name="iSHEJI-14">
-            <a:extLst>
-              <a:ext uri="{FF2B5EF4-FFF2-40B4-BE49-F238E27FC236}">
-                <a16:creationId xmlns:a16="http://schemas.microsoft.com/office/drawing/2014/main" id="{19BD378E-9994-29CE-A0A2-D2455449D86B}"/>
-              </a:ext>
-            </a:extLst>
-          </p:cNvPr>
-          <p:cNvSpPr/>
-          <p:nvPr/>
-        </p:nvSpPr>
-        <p:spPr>
-          <a:xfrm>
-            <a:off x="2293819" y="4887077"/>
-            <a:ext cx="382699" cy="553998"/>
-          </a:xfrm>
-          <a:prstGeom prst="rect">
-            <a:avLst/>
-          </a:prstGeom>
-          <a:noFill/>
-          <a:ln>
-            <a:noFill/>
-          </a:ln>
-        </p:spPr>
-        <p:style>
-          <a:lnRef idx="2">
-            <a:schemeClr val="accent1">
-              <a:shade val="50000"/>
-            </a:schemeClr>
-          </a:lnRef>
-          <a:fillRef idx="1">
-            <a:schemeClr val="accent1"/>
-          </a:fillRef>
-          <a:effectRef idx="0">
-            <a:schemeClr val="accent1"/>
-          </a:effectRef>
-          <a:fontRef idx="minor">
-            <a:schemeClr val="lt1"/>
-          </a:fontRef>
-        </p:style>
-        <p:txBody>
-          <a:bodyPr wrap="square" lIns="0" tIns="0" rIns="0" bIns="0" rtlCol="0" anchor="ctr">
-            <a:spAutoFit/>
-          </a:bodyPr>
-          <a:lstStyle/>
-          <a:p>
-            <a:r>
-              <a:rPr lang="en-US" altLang="zh-CN" sz="3600" b="1" dirty="0">
-                <a:solidFill>
-                  <a:schemeClr val="accent1"/>
-                </a:solidFill>
-                <a:latin typeface="阿里巴巴普惠体 2.0 95 ExtraBold" panose="00020600040101010101" pitchFamily="18" charset="-122"/>
-                <a:ea typeface="阿里巴巴普惠体 2.0 95 ExtraBold" panose="00020600040101010101" pitchFamily="18" charset="-122"/>
-                <a:cs typeface="阿里巴巴普惠体 2.0 95 ExtraBold" panose="00020600040101010101" pitchFamily="18" charset="-122"/>
-              </a:rPr>
-              <a:t>4.</a:t>
-            </a:r>
-            <a:endParaRPr lang="zh-CN" altLang="en-US" sz="3600" b="1" dirty="0">
-              <a:solidFill>
-                <a:schemeClr val="accent1"/>
-              </a:solidFill>
-              <a:latin typeface="阿里巴巴普惠体 2.0 95 ExtraBold" panose="00020600040101010101" pitchFamily="18" charset="-122"/>
-              <a:ea typeface="阿里巴巴普惠体 2.0 95 ExtraBold" panose="00020600040101010101" pitchFamily="18" charset="-122"/>
-              <a:cs typeface="阿里巴巴普惠体 2.0 95 ExtraBold" panose="00020600040101010101" pitchFamily="18" charset="-122"/>
-            </a:endParaRPr>
-          </a:p>
-        </p:txBody>
-      </p:sp>
-      <p:sp>
-        <p:nvSpPr>
-          <p:cNvPr id="16" name="iSHEJI-5">
-            <a:extLst>
-              <a:ext uri="{FF2B5EF4-FFF2-40B4-BE49-F238E27FC236}">
-                <a16:creationId xmlns:a16="http://schemas.microsoft.com/office/drawing/2014/main" id="{0FB4D3CB-E481-1254-B5DF-BBE0C0C41093}"/>
-              </a:ext>
-            </a:extLst>
-          </p:cNvPr>
-          <p:cNvSpPr txBox="1"/>
-          <p:nvPr/>
-        </p:nvSpPr>
-        <p:spPr>
-          <a:xfrm>
-            <a:off x="2874403" y="4948632"/>
-            <a:ext cx="3028455" cy="430887"/>
-          </a:xfrm>
-          <a:prstGeom prst="rect">
-            <a:avLst/>
-          </a:prstGeom>
-          <a:noFill/>
-        </p:spPr>
-        <p:txBody>
-          <a:bodyPr wrap="square" lIns="0" tIns="0" rIns="0" bIns="0" rtlCol="0">
-            <a:spAutoFit/>
-          </a:bodyPr>
-          <a:lstStyle>
-            <a:defPPr>
-              <a:defRPr lang="zh-CN"/>
-            </a:defPPr>
-            <a:lvl1pPr>
-              <a:defRPr sz="3200" spc="300">
-                <a:gradFill>
-                  <a:gsLst>
-                    <a:gs pos="0">
-                      <a:schemeClr val="bg1"/>
-                    </a:gs>
-                    <a:gs pos="100000">
-                      <a:schemeClr val="accent4"/>
-                    </a:gs>
-                  </a:gsLst>
-                  <a:lin ang="2700000" scaled="0"/>
-                </a:gradFill>
-                <a:latin typeface="+mj-ea"/>
-                <a:ea typeface="+mj-ea"/>
-              </a:defRPr>
-            </a:lvl1pPr>
-          </a:lstStyle>
-          <a:p>
-            <a:pPr lvl="0">
-              <a:defRPr/>
-            </a:pPr>
-            <a:r>
-              <a:rPr lang="en-US" altLang="zh-CN" sz="2800" b="1" spc="0" dirty="0">
-                <a:solidFill>
-                  <a:schemeClr val="tx1"/>
-                </a:solidFill>
-                <a:latin typeface="阿里巴巴普惠体 2.0 95 ExtraBold" panose="00020600040101010101" pitchFamily="18" charset="-122"/>
-                <a:ea typeface="阿里巴巴普惠体 2.0 95 ExtraBold" panose="00020600040101010101" pitchFamily="18" charset="-122"/>
-                <a:cs typeface="阿里巴巴普惠体 2.0 95 ExtraBold" panose="00020600040101010101" pitchFamily="18" charset="-122"/>
-              </a:rPr>
-              <a:t>xxx</a:t>
-            </a:r>
-            <a:endParaRPr lang="zh-CN" altLang="en-US" sz="2800" b="1" spc="0" dirty="0">
-              <a:solidFill>
-                <a:schemeClr val="tx1"/>
-              </a:solidFill>
-              <a:latin typeface="阿里巴巴普惠体 2.0 95 ExtraBold" panose="00020600040101010101" pitchFamily="18" charset="-122"/>
-              <a:ea typeface="阿里巴巴普惠体 2.0 95 ExtraBold" panose="00020600040101010101" pitchFamily="18" charset="-122"/>
-              <a:cs typeface="阿里巴巴普惠体 2.0 95 ExtraBold" panose="00020600040101010101" pitchFamily="18" charset="-122"/>
-            </a:endParaRPr>
           </a:p>
         </p:txBody>
       </p:sp>
